--- a/Draft Powerpoint.pptx
+++ b/Draft Powerpoint.pptx
@@ -4538,7 +4538,7 @@
               </a:defRPr>
             </a:pPr>
             <a:r>
-              <a:t>	news of the attack and the pipeline shutdown spurred panic buying of gasoline, leaving thousands of gas stations without fuel, driving prices to the highest in almost 7 years</a:t>
+              <a:t>news of the attack and the pipeline shutdown spurred panic buying of gasoline, leaving thousands of gas stations without fuel, driving prices to the highest in almost 7 years</a:t>
             </a:r>
           </a:p>
           <a:p>
@@ -4558,7 +4558,7 @@
               </a:defRPr>
             </a:pPr>
             <a:r>
-              <a:t>	the US gasoline inventory would last about 27 days, the potential to severely disrupt travel and transportation is significant</a:t>
+              <a:t>the US gasoline inventory would last about 27 days, the potential to severely disrupt travel and transportation is significant</a:t>
             </a:r>
           </a:p>
           <a:p>
@@ -4578,7 +4578,7 @@
               </a:defRPr>
             </a:pPr>
             <a:r>
-              <a:t>	paying the ransom is not advised as doing so provides the hackers with the ability to expand their capabilities and sets the expectation that they would be paid in future attacks</a:t>
+              <a:t>paying the ransom is not advised as doing so provides the hackers with the ability to expand their capabilities and sets the expectation that they would be paid in future attacks</a:t>
             </a:r>
           </a:p>
         </p:txBody>
